--- a/Presentation.pptx
+++ b/Presentation.pptx
@@ -39,7 +39,9 @@
     <p:sldId id="292" r:id="rId33"/>
     <p:sldId id="286" r:id="rId34"/>
     <p:sldId id="287" r:id="rId35"/>
-    <p:sldId id="258" r:id="rId36"/>
+    <p:sldId id="293" r:id="rId36"/>
+    <p:sldId id="294" r:id="rId37"/>
+    <p:sldId id="258" r:id="rId38"/>
   </p:sldIdLst>
   <p:sldSz cx="9144000" cy="6858000" type="screen4x3"/>
   <p:notesSz cx="6858000" cy="9144000"/>
@@ -322,7 +324,7 @@
           <a:p>
             <a:fld id="{F46276FE-111C-4E1C-8AED-310D2318810A}" type="datetimeFigureOut">
               <a:rPr lang="en-US" smtClean="0"/>
-              <a:t>12/2/2018</a:t>
+              <a:t>12/3/2018</a:t>
             </a:fld>
             <a:endParaRPr lang="en-US"/>
           </a:p>
@@ -492,7 +494,7 @@
           <a:p>
             <a:fld id="{F46276FE-111C-4E1C-8AED-310D2318810A}" type="datetimeFigureOut">
               <a:rPr lang="en-US" smtClean="0"/>
-              <a:t>12/2/2018</a:t>
+              <a:t>12/3/2018</a:t>
             </a:fld>
             <a:endParaRPr lang="en-US"/>
           </a:p>
@@ -672,7 +674,7 @@
           <a:p>
             <a:fld id="{F46276FE-111C-4E1C-8AED-310D2318810A}" type="datetimeFigureOut">
               <a:rPr lang="en-US" smtClean="0"/>
-              <a:t>12/2/2018</a:t>
+              <a:t>12/3/2018</a:t>
             </a:fld>
             <a:endParaRPr lang="en-US"/>
           </a:p>
@@ -842,7 +844,7 @@
           <a:p>
             <a:fld id="{F46276FE-111C-4E1C-8AED-310D2318810A}" type="datetimeFigureOut">
               <a:rPr lang="en-US" smtClean="0"/>
-              <a:t>12/2/2018</a:t>
+              <a:t>12/3/2018</a:t>
             </a:fld>
             <a:endParaRPr lang="en-US"/>
           </a:p>
@@ -1088,7 +1090,7 @@
           <a:p>
             <a:fld id="{F46276FE-111C-4E1C-8AED-310D2318810A}" type="datetimeFigureOut">
               <a:rPr lang="en-US" smtClean="0"/>
-              <a:t>12/2/2018</a:t>
+              <a:t>12/3/2018</a:t>
             </a:fld>
             <a:endParaRPr lang="en-US"/>
           </a:p>
@@ -1376,7 +1378,7 @@
           <a:p>
             <a:fld id="{F46276FE-111C-4E1C-8AED-310D2318810A}" type="datetimeFigureOut">
               <a:rPr lang="en-US" smtClean="0"/>
-              <a:t>12/2/2018</a:t>
+              <a:t>12/3/2018</a:t>
             </a:fld>
             <a:endParaRPr lang="en-US"/>
           </a:p>
@@ -1798,7 +1800,7 @@
           <a:p>
             <a:fld id="{F46276FE-111C-4E1C-8AED-310D2318810A}" type="datetimeFigureOut">
               <a:rPr lang="en-US" smtClean="0"/>
-              <a:t>12/2/2018</a:t>
+              <a:t>12/3/2018</a:t>
             </a:fld>
             <a:endParaRPr lang="en-US"/>
           </a:p>
@@ -1916,7 +1918,7 @@
           <a:p>
             <a:fld id="{F46276FE-111C-4E1C-8AED-310D2318810A}" type="datetimeFigureOut">
               <a:rPr lang="en-US" smtClean="0"/>
-              <a:t>12/2/2018</a:t>
+              <a:t>12/3/2018</a:t>
             </a:fld>
             <a:endParaRPr lang="en-US"/>
           </a:p>
@@ -2011,7 +2013,7 @@
           <a:p>
             <a:fld id="{F46276FE-111C-4E1C-8AED-310D2318810A}" type="datetimeFigureOut">
               <a:rPr lang="en-US" smtClean="0"/>
-              <a:t>12/2/2018</a:t>
+              <a:t>12/3/2018</a:t>
             </a:fld>
             <a:endParaRPr lang="en-US"/>
           </a:p>
@@ -2288,7 +2290,7 @@
           <a:p>
             <a:fld id="{F46276FE-111C-4E1C-8AED-310D2318810A}" type="datetimeFigureOut">
               <a:rPr lang="en-US" smtClean="0"/>
-              <a:t>12/2/2018</a:t>
+              <a:t>12/3/2018</a:t>
             </a:fld>
             <a:endParaRPr lang="en-US"/>
           </a:p>
@@ -2541,7 +2543,7 @@
           <a:p>
             <a:fld id="{F46276FE-111C-4E1C-8AED-310D2318810A}" type="datetimeFigureOut">
               <a:rPr lang="en-US" smtClean="0"/>
-              <a:t>12/2/2018</a:t>
+              <a:t>12/3/2018</a:t>
             </a:fld>
             <a:endParaRPr lang="en-US"/>
           </a:p>
@@ -2754,7 +2756,7 @@
           <a:p>
             <a:fld id="{F46276FE-111C-4E1C-8AED-310D2318810A}" type="datetimeFigureOut">
               <a:rPr lang="en-US" smtClean="0"/>
-              <a:t>12/2/2018</a:t>
+              <a:t>12/3/2018</a:t>
             </a:fld>
             <a:endParaRPr lang="en-US"/>
           </a:p>
@@ -3141,7 +3143,9 @@
         </p:nvSpPr>
         <p:spPr/>
         <p:txBody>
-          <a:bodyPr/>
+          <a:bodyPr>
+            <a:normAutofit fontScale="90000"/>
+          </a:bodyPr>
           <a:lstStyle/>
           <a:p>
             <a:r>
@@ -3158,6 +3162,17 @@
             <a:r>
               <a:rPr lang="en-US" b="1" dirty="0"/>
               <a:t>House Price Prediction </a:t>
+            </a:r>
+            <a:r>
+              <a:rPr lang="en-US" b="1" dirty="0" smtClean="0"/>
+              <a:t/>
+            </a:r>
+            <a:br>
+              <a:rPr lang="en-US" b="1" dirty="0" smtClean="0"/>
+            </a:br>
+            <a:r>
+              <a:rPr lang="en-US" b="1" dirty="0" smtClean="0"/>
+              <a:t>Capstone Project</a:t>
             </a:r>
             <a:endParaRPr lang="en-US" dirty="0"/>
           </a:p>
@@ -18883,19 +18898,7 @@
           <a:p>
             <a:r>
               <a:rPr lang="en-US" sz="2400" dirty="0" smtClean="0"/>
-              <a:t>Provide research tool to homebuyer </a:t>
-            </a:r>
-            <a:r>
-              <a:rPr lang="en-US" sz="2400" dirty="0" smtClean="0"/>
-              <a:t>for searching </a:t>
-            </a:r>
-            <a:r>
-              <a:rPr lang="en-US" sz="2400" dirty="0" smtClean="0"/>
-              <a:t>houses and predict the home prices </a:t>
-            </a:r>
-            <a:r>
-              <a:rPr lang="en-US" sz="2400" dirty="0" smtClean="0"/>
-              <a:t>.</a:t>
+              <a:t>Provide research tool to homebuyer for searching houses and predict the home prices .</a:t>
             </a:r>
           </a:p>
           <a:p>
@@ -18903,7 +18906,6 @@
               <a:rPr lang="en-US" sz="2400" dirty="0" smtClean="0"/>
               <a:t>Homeowners can use this to get an estimate of price their house before putting it on sale. </a:t>
             </a:r>
-            <a:endParaRPr lang="en-US" sz="2400" dirty="0" smtClean="0"/>
           </a:p>
         </p:txBody>
       </p:sp>
@@ -19864,11 +19866,7 @@
           <a:p>
             <a:r>
               <a:rPr lang="en-US" sz="1800" b="1" dirty="0" smtClean="0"/>
-              <a:t>Sales </a:t>
-            </a:r>
-            <a:r>
-              <a:rPr lang="en-US" sz="1800" b="1" dirty="0" smtClean="0"/>
-              <a:t>Price</a:t>
+              <a:t>Sales Price</a:t>
             </a:r>
           </a:p>
           <a:p>
@@ -21105,11 +21103,7 @@
           <a:p>
             <a:r>
               <a:rPr lang="en-US" sz="2400" dirty="0" smtClean="0"/>
-              <a:t>Train Data</a:t>
-            </a:r>
-            <a:r>
-              <a:rPr lang="en-US" sz="2400" dirty="0" smtClean="0"/>
-              <a:t>: Missing Values</a:t>
+              <a:t>Train Data: Missing Values</a:t>
             </a:r>
             <a:endParaRPr lang="en-US" sz="2400" dirty="0"/>
           </a:p>
@@ -21618,11 +21612,7 @@
           <a:p>
             <a:r>
               <a:rPr lang="en-US" sz="2400" dirty="0" smtClean="0"/>
-              <a:t>Test Data</a:t>
-            </a:r>
-            <a:r>
-              <a:rPr lang="en-US" sz="2400" dirty="0" smtClean="0"/>
-              <a:t>: Missing Values</a:t>
+              <a:t>Test Data: Missing Values</a:t>
             </a:r>
             <a:endParaRPr lang="en-US" sz="2400" dirty="0"/>
           </a:p>
@@ -21991,7 +21981,6 @@
               <a:rPr lang="en-US" sz="2000" dirty="0" smtClean="0"/>
               <a:t>Remove any row of NULL values that may be in dataset.</a:t>
             </a:r>
-            <a:endParaRPr lang="en-US" sz="2000" dirty="0" smtClean="0"/>
           </a:p>
           <a:p>
             <a:pPr marL="457200" lvl="1" indent="0">
@@ -22108,11 +22097,7 @@
           <a:p>
             <a:r>
               <a:rPr lang="en-US" sz="1800" dirty="0" smtClean="0"/>
-              <a:t>Convert text data to numerical by using </a:t>
-            </a:r>
-            <a:r>
-              <a:rPr lang="en-US" sz="1800" dirty="0" smtClean="0"/>
-              <a:t>One hot encoder from </a:t>
+              <a:t>Convert text data to numerical by using One hot encoder from </a:t>
             </a:r>
             <a:r>
               <a:rPr lang="en-US" sz="1800" dirty="0" err="1" smtClean="0"/>
@@ -22122,16 +22107,11 @@
               <a:rPr lang="en-US" sz="1800" dirty="0" smtClean="0"/>
               <a:t>.</a:t>
             </a:r>
-            <a:endParaRPr lang="en-US" sz="1800" dirty="0" smtClean="0"/>
           </a:p>
           <a:p>
             <a:r>
               <a:rPr lang="en-US" sz="1800" dirty="0" smtClean="0"/>
-              <a:t>It converts categorical values into binary</a:t>
-            </a:r>
-            <a:r>
-              <a:rPr lang="en-US" sz="1800" dirty="0" smtClean="0"/>
-              <a:t>.</a:t>
+              <a:t>It converts categorical values into binary.</a:t>
             </a:r>
           </a:p>
           <a:p>
@@ -22139,7 +22119,6 @@
               <a:rPr lang="en-US" sz="1800" dirty="0" smtClean="0"/>
               <a:t>Train Dataset</a:t>
             </a:r>
-            <a:endParaRPr lang="en-US" sz="1800" dirty="0" smtClean="0"/>
           </a:p>
           <a:p>
             <a:endParaRPr lang="en-US" sz="1800" dirty="0">
@@ -22168,7 +22147,6 @@
               <a:rPr lang="en-US" sz="1800" b="1" dirty="0" smtClean="0"/>
               <a:t>	New Columns</a:t>
             </a:r>
-            <a:endParaRPr lang="en-US" sz="1800" b="1" dirty="0" smtClean="0"/>
           </a:p>
         </p:txBody>
       </p:sp>
@@ -22714,7 +22692,6 @@
               <a:rPr lang="en-US" sz="1200" dirty="0" smtClean="0"/>
               <a:t> </a:t>
             </a:r>
-            <a:endParaRPr lang="en-US" sz="1200" dirty="0" smtClean="0"/>
           </a:p>
           <a:p>
             <a:endParaRPr lang="en-US" sz="1800" dirty="0">
@@ -22735,7 +22712,6 @@
               <a:rPr lang="en-US" sz="1800" b="1" dirty="0" smtClean="0"/>
               <a:t>	</a:t>
             </a:r>
-            <a:endParaRPr lang="en-US" sz="1800" b="1" dirty="0" smtClean="0"/>
           </a:p>
         </p:txBody>
       </p:sp>
@@ -22954,39 +22930,15 @@
           </a:p>
         </p:txBody>
       </p:sp>
-      <p:sp>
-        <p:nvSpPr>
-          <p:cNvPr id="3" name="Content Placeholder 2"/>
-          <p:cNvSpPr>
-            <a:spLocks noGrp="1"/>
-          </p:cNvSpPr>
+      <p:pic>
+        <p:nvPicPr>
+          <p:cNvPr id="4" name="Picture 2"/>
+          <p:cNvPicPr>
+            <a:picLocks noGrp="1" noChangeAspect="1" noChangeArrowheads="1"/>
+          </p:cNvPicPr>
           <p:nvPr>
             <p:ph idx="1"/>
           </p:nvPr>
-        </p:nvSpPr>
-        <p:spPr>
-          <a:xfrm>
-            <a:off x="457200" y="685800"/>
-            <a:ext cx="8229600" cy="5791200"/>
-          </a:xfrm>
-        </p:spPr>
-        <p:txBody>
-          <a:bodyPr>
-            <a:noAutofit/>
-          </a:bodyPr>
-          <a:lstStyle/>
-          <a:p>
-            <a:endParaRPr lang="en-US" sz="1100" dirty="0" smtClean="0"/>
-          </a:p>
-        </p:txBody>
-      </p:sp>
-      <p:pic>
-        <p:nvPicPr>
-          <p:cNvPr id="5122" name="Picture 2"/>
-          <p:cNvPicPr>
-            <a:picLocks noChangeAspect="1" noChangeArrowheads="1"/>
-          </p:cNvPicPr>
-          <p:nvPr/>
         </p:nvPicPr>
         <p:blipFill>
           <a:blip r:embed="rId2">
@@ -23003,8 +22955,8 @@
         </p:blipFill>
         <p:spPr bwMode="auto">
           <a:xfrm>
-            <a:off x="1295400" y="1143000"/>
-            <a:ext cx="5715000" cy="4791075"/>
+            <a:off x="1690687" y="1138237"/>
+            <a:ext cx="5762625" cy="4886325"/>
           </a:xfrm>
           <a:prstGeom prst="rect">
             <a:avLst/>
@@ -23097,10 +23049,6 @@
               <a:rPr lang="en-US" sz="2400" dirty="0" smtClean="0"/>
               <a:t>Feature Selection</a:t>
             </a:r>
-            <a:r>
-              <a:rPr lang="en-US" sz="2400" dirty="0" smtClean="0"/>
-              <a:t/>
-            </a:r>
             <a:br>
               <a:rPr lang="en-US" sz="2400" dirty="0" smtClean="0"/>
             </a:br>
@@ -23157,7 +23105,6 @@
               <a:rPr lang="en-US" sz="1800" dirty="0" smtClean="0"/>
               <a:t>.</a:t>
             </a:r>
-            <a:endParaRPr lang="en-US" sz="1800" dirty="0" smtClean="0"/>
           </a:p>
           <a:p>
             <a:r>
@@ -23176,13 +23123,8 @@
             </a:r>
             <a:r>
               <a:rPr lang="en-US" sz="1800" dirty="0" smtClean="0"/>
-              <a:t>.</a:t>
-            </a:r>
-            <a:r>
-              <a:rPr lang="en-US" sz="1800" dirty="0" smtClean="0"/>
-              <a:t> </a:t>
-            </a:r>
-            <a:endParaRPr lang="en-US" sz="1800" dirty="0" smtClean="0"/>
+              <a:t>. </a:t>
+            </a:r>
           </a:p>
           <a:p>
             <a:endParaRPr lang="en-US" sz="1800" dirty="0"/>
@@ -23292,15 +23234,7 @@
           <a:p>
             <a:r>
               <a:rPr lang="en-US" sz="1800" dirty="0" smtClean="0"/>
-              <a:t>Linear </a:t>
-            </a:r>
-            <a:r>
-              <a:rPr lang="en-US" sz="1800" dirty="0" smtClean="0"/>
-              <a:t>regression </a:t>
-            </a:r>
-            <a:r>
-              <a:rPr lang="en-US" sz="1800" dirty="0" smtClean="0"/>
-              <a:t>model is build on the processed train data.</a:t>
+              <a:t>Linear regression model is build on the processed train data.</a:t>
             </a:r>
           </a:p>
           <a:p>
@@ -23357,8 +23291,10 @@
             </a:r>
             <a:r>
               <a:rPr lang="en-US" sz="1800" dirty="0"/>
-              <a:t>35154.66</a:t>
-            </a:r>
+              <a:t>0.164</a:t>
+            </a:r>
+          </a:p>
+          <a:p>
             <a:endParaRPr lang="en-US" sz="700" dirty="0" smtClean="0"/>
           </a:p>
         </p:txBody>
@@ -23467,11 +23403,7 @@
           <a:p>
             <a:r>
               <a:rPr lang="en-US" sz="1800" dirty="0" smtClean="0"/>
-              <a:t>Random </a:t>
-            </a:r>
-            <a:r>
-              <a:rPr lang="en-US" sz="1800" dirty="0" smtClean="0"/>
-              <a:t>forest regression model</a:t>
+              <a:t>Random forest regression model</a:t>
             </a:r>
           </a:p>
           <a:p>
@@ -23549,19 +23481,17 @@
               <a:t>Root mean square error of Random Forest </a:t>
             </a:r>
             <a:r>
-              <a:rPr lang="en-US" sz="1800" dirty="0" err="1"/>
-              <a:t>Regressor</a:t>
+              <a:rPr lang="en-US" sz="1800" dirty="0" smtClean="0"/>
+              <a:t>Repressor </a:t>
             </a:r>
             <a:r>
               <a:rPr lang="en-US" sz="1800" dirty="0"/>
-              <a:t> is </a:t>
+              <a:t>is </a:t>
             </a:r>
             <a:r>
               <a:rPr lang="en-US" sz="1800" dirty="0" smtClean="0"/>
-              <a:t>29921.69</a:t>
-            </a:r>
-          </a:p>
-          <a:p>
+              <a:t>0.142</a:t>
+            </a:r>
             <a:endParaRPr lang="en-US" sz="1800" dirty="0"/>
           </a:p>
           <a:p>
@@ -23685,14 +23615,17 @@
               <a:rPr lang="en-US" sz="1400" u="sng" dirty="0">
                 <a:hlinkClick r:id="rId2"/>
               </a:rPr>
-              <a:t>https://public.tableau.com/profile/neeraj3209#!/</a:t>
+              <a:t>https://public.tableau.com/views/Capstone_73/AmnesHousing?:embed=y&amp;:display_count=yes&amp;publish=yes&amp;:</a:t>
             </a:r>
             <a:r>
               <a:rPr lang="en-US" sz="1400" u="sng" dirty="0" smtClean="0">
                 <a:hlinkClick r:id="rId2"/>
               </a:rPr>
-              <a:t>vizhome/AmnesHousing/AmnesHousing</a:t>
-            </a:r>
+              <a:t>toolbar=no</a:t>
+            </a:r>
+            <a:endParaRPr lang="en-US" sz="1400" u="sng" dirty="0" smtClean="0"/>
+          </a:p>
+          <a:p>
             <a:endParaRPr lang="en-US" sz="1400" u="sng" dirty="0" smtClean="0"/>
           </a:p>
           <a:p>
@@ -23710,50 +23643,6 @@
           </a:p>
         </p:txBody>
       </p:sp>
-      <p:pic>
-        <p:nvPicPr>
-          <p:cNvPr id="4" name="Picture 3"/>
-          <p:cNvPicPr/>
-          <p:nvPr/>
-        </p:nvPicPr>
-        <p:blipFill>
-          <a:blip r:embed="rId3"/>
-          <a:stretch>
-            <a:fillRect/>
-          </a:stretch>
-        </p:blipFill>
-        <p:spPr>
-          <a:xfrm>
-            <a:off x="457200" y="2204103"/>
-            <a:ext cx="3733800" cy="2550460"/>
-          </a:xfrm>
-          <a:prstGeom prst="rect">
-            <a:avLst/>
-          </a:prstGeom>
-        </p:spPr>
-      </p:pic>
-      <p:pic>
-        <p:nvPicPr>
-          <p:cNvPr id="5" name="Picture 4"/>
-          <p:cNvPicPr/>
-          <p:nvPr/>
-        </p:nvPicPr>
-        <p:blipFill>
-          <a:blip r:embed="rId4"/>
-          <a:stretch>
-            <a:fillRect/>
-          </a:stretch>
-        </p:blipFill>
-        <p:spPr>
-          <a:xfrm>
-            <a:off x="5205813" y="2209800"/>
-            <a:ext cx="3276600" cy="2544763"/>
-          </a:xfrm>
-          <a:prstGeom prst="rect">
-            <a:avLst/>
-          </a:prstGeom>
-        </p:spPr>
-      </p:pic>
     </p:spTree>
     <p:extLst>
       <p:ext uri="{BB962C8B-B14F-4D97-AF65-F5344CB8AC3E}">
@@ -23775,6 +23664,295 @@
 </file>
 
 <file path=ppt/slides/slide35.xml><?xml version="1.0" encoding="utf-8"?>
+<p:sld xmlns:a="http://schemas.openxmlformats.org/drawingml/2006/main" xmlns:r="http://schemas.openxmlformats.org/officeDocument/2006/relationships" xmlns:p="http://schemas.openxmlformats.org/presentationml/2006/main">
+  <p:cSld>
+    <p:spTree>
+      <p:nvGrpSpPr>
+        <p:cNvPr id="1" name=""/>
+        <p:cNvGrpSpPr/>
+        <p:nvPr/>
+      </p:nvGrpSpPr>
+      <p:grpSpPr>
+        <a:xfrm>
+          <a:off x="0" y="0"/>
+          <a:ext cx="0" cy="0"/>
+          <a:chOff x="0" y="0"/>
+          <a:chExt cx="0" cy="0"/>
+        </a:xfrm>
+      </p:grpSpPr>
+      <p:sp>
+        <p:nvSpPr>
+          <p:cNvPr id="2" name="Title 1"/>
+          <p:cNvSpPr>
+            <a:spLocks noGrp="1"/>
+          </p:cNvSpPr>
+          <p:nvPr>
+            <p:ph type="title"/>
+          </p:nvPr>
+        </p:nvSpPr>
+        <p:spPr>
+          <a:xfrm>
+            <a:off x="457200" y="274638"/>
+            <a:ext cx="8229600" cy="411162"/>
+          </a:xfrm>
+        </p:spPr>
+        <p:txBody>
+          <a:bodyPr>
+            <a:normAutofit fontScale="90000"/>
+          </a:bodyPr>
+          <a:lstStyle/>
+          <a:p>
+            <a:r>
+              <a:rPr lang="en-US" sz="2200" dirty="0"/>
+              <a:t>Website</a:t>
+            </a:r>
+          </a:p>
+        </p:txBody>
+      </p:sp>
+      <p:pic>
+        <p:nvPicPr>
+          <p:cNvPr id="6146" name="Picture 2"/>
+          <p:cNvPicPr>
+            <a:picLocks noGrp="1" noChangeAspect="1" noChangeArrowheads="1"/>
+          </p:cNvPicPr>
+          <p:nvPr>
+            <p:ph idx="1"/>
+          </p:nvPr>
+        </p:nvPicPr>
+        <p:blipFill>
+          <a:blip r:embed="rId2">
+            <a:extLst>
+              <a:ext uri="{28A0092B-C50C-407E-A947-70E740481C1C}">
+                <a14:useLocalDpi xmlns:a14="http://schemas.microsoft.com/office/drawing/2010/main" val="0"/>
+              </a:ext>
+            </a:extLst>
+          </a:blip>
+          <a:srcRect/>
+          <a:stretch>
+            <a:fillRect/>
+          </a:stretch>
+        </p:blipFill>
+        <p:spPr bwMode="auto">
+          <a:xfrm>
+            <a:off x="548922" y="762000"/>
+            <a:ext cx="8046156" cy="5364163"/>
+          </a:xfrm>
+          <a:prstGeom prst="rect">
+            <a:avLst/>
+          </a:prstGeom>
+          <a:noFill/>
+          <a:ln>
+            <a:noFill/>
+          </a:ln>
+          <a:extLst>
+            <a:ext uri="{909E8E84-426E-40DD-AFC4-6F175D3DCCD1}">
+              <a14:hiddenFill xmlns:a14="http://schemas.microsoft.com/office/drawing/2010/main">
+                <a:solidFill>
+                  <a:schemeClr val="accent1"/>
+                </a:solidFill>
+              </a14:hiddenFill>
+            </a:ext>
+            <a:ext uri="{91240B29-F687-4F45-9708-019B960494DF}">
+              <a14:hiddenLine xmlns:a14="http://schemas.microsoft.com/office/drawing/2010/main" w="9525">
+                <a:solidFill>
+                  <a:schemeClr val="tx1"/>
+                </a:solidFill>
+                <a:miter lim="800000"/>
+                <a:headEnd/>
+                <a:tailEnd/>
+              </a14:hiddenLine>
+            </a:ext>
+          </a:extLst>
+        </p:spPr>
+      </p:pic>
+      <p:sp>
+        <p:nvSpPr>
+          <p:cNvPr id="5" name="TextBox 4"/>
+          <p:cNvSpPr txBox="1"/>
+          <p:nvPr/>
+        </p:nvSpPr>
+        <p:spPr>
+          <a:xfrm>
+            <a:off x="5486400" y="838200"/>
+            <a:ext cx="1752600" cy="369332"/>
+          </a:xfrm>
+          <a:prstGeom prst="rect">
+            <a:avLst/>
+          </a:prstGeom>
+          <a:noFill/>
+        </p:spPr>
+        <p:txBody>
+          <a:bodyPr wrap="square" rtlCol="0">
+            <a:spAutoFit/>
+          </a:bodyPr>
+          <a:lstStyle/>
+          <a:p>
+            <a:r>
+              <a:rPr lang="en-US" sz="1400" dirty="0">
+                <a:latin typeface="+mj-lt"/>
+                <a:ea typeface="+mj-ea"/>
+                <a:cs typeface="+mj-cs"/>
+              </a:rPr>
+              <a:t>Two</a:t>
+            </a:r>
+            <a:r>
+              <a:rPr lang="en-US" dirty="0" smtClean="0"/>
+              <a:t> </a:t>
+            </a:r>
+            <a:r>
+              <a:rPr lang="en-US" sz="1400" dirty="0">
+                <a:latin typeface="+mj-lt"/>
+                <a:ea typeface="+mj-ea"/>
+                <a:cs typeface="+mj-cs"/>
+              </a:rPr>
+              <a:t>Tabs</a:t>
+            </a:r>
+          </a:p>
+        </p:txBody>
+      </p:sp>
+    </p:spTree>
+    <p:extLst>
+      <p:ext uri="{BB962C8B-B14F-4D97-AF65-F5344CB8AC3E}">
+        <p14:creationId xmlns:p14="http://schemas.microsoft.com/office/powerpoint/2010/main" val="45357260"/>
+      </p:ext>
+    </p:extLst>
+  </p:cSld>
+  <p:clrMapOvr>
+    <a:masterClrMapping/>
+  </p:clrMapOvr>
+  <p:timing>
+    <p:tnLst>
+      <p:par>
+        <p:cTn id="1" dur="indefinite" restart="never" nodeType="tmRoot"/>
+      </p:par>
+    </p:tnLst>
+  </p:timing>
+</p:sld>
+</file>
+
+<file path=ppt/slides/slide36.xml><?xml version="1.0" encoding="utf-8"?>
+<p:sld xmlns:a="http://schemas.openxmlformats.org/drawingml/2006/main" xmlns:r="http://schemas.openxmlformats.org/officeDocument/2006/relationships" xmlns:p="http://schemas.openxmlformats.org/presentationml/2006/main">
+  <p:cSld>
+    <p:spTree>
+      <p:nvGrpSpPr>
+        <p:cNvPr id="1" name=""/>
+        <p:cNvGrpSpPr/>
+        <p:nvPr/>
+      </p:nvGrpSpPr>
+      <p:grpSpPr>
+        <a:xfrm>
+          <a:off x="0" y="0"/>
+          <a:ext cx="0" cy="0"/>
+          <a:chOff x="0" y="0"/>
+          <a:chExt cx="0" cy="0"/>
+        </a:xfrm>
+      </p:grpSpPr>
+      <p:sp>
+        <p:nvSpPr>
+          <p:cNvPr id="2" name="Title 1"/>
+          <p:cNvSpPr>
+            <a:spLocks noGrp="1"/>
+          </p:cNvSpPr>
+          <p:nvPr>
+            <p:ph type="title"/>
+          </p:nvPr>
+        </p:nvSpPr>
+        <p:spPr>
+          <a:xfrm>
+            <a:off x="457200" y="274638"/>
+            <a:ext cx="8229600" cy="411162"/>
+          </a:xfrm>
+        </p:spPr>
+        <p:txBody>
+          <a:bodyPr>
+            <a:normAutofit fontScale="90000"/>
+          </a:bodyPr>
+          <a:lstStyle/>
+          <a:p>
+            <a:r>
+              <a:rPr lang="en-US" sz="2200" dirty="0"/>
+              <a:t>Website</a:t>
+            </a:r>
+          </a:p>
+        </p:txBody>
+      </p:sp>
+      <p:pic>
+        <p:nvPicPr>
+          <p:cNvPr id="7170" name="Picture 2"/>
+          <p:cNvPicPr>
+            <a:picLocks noGrp="1" noChangeAspect="1" noChangeArrowheads="1"/>
+          </p:cNvPicPr>
+          <p:nvPr>
+            <p:ph idx="1"/>
+          </p:nvPr>
+        </p:nvPicPr>
+        <p:blipFill>
+          <a:blip r:embed="rId2">
+            <a:extLst>
+              <a:ext uri="{28A0092B-C50C-407E-A947-70E740481C1C}">
+                <a14:useLocalDpi xmlns:a14="http://schemas.microsoft.com/office/drawing/2010/main" val="0"/>
+              </a:ext>
+            </a:extLst>
+          </a:blip>
+          <a:srcRect/>
+          <a:stretch>
+            <a:fillRect/>
+          </a:stretch>
+        </p:blipFill>
+        <p:spPr bwMode="auto">
+          <a:xfrm>
+            <a:off x="457200" y="1167606"/>
+            <a:ext cx="8229600" cy="4629150"/>
+          </a:xfrm>
+          <a:prstGeom prst="rect">
+            <a:avLst/>
+          </a:prstGeom>
+          <a:noFill/>
+          <a:ln>
+            <a:noFill/>
+          </a:ln>
+          <a:extLst>
+            <a:ext uri="{909E8E84-426E-40DD-AFC4-6F175D3DCCD1}">
+              <a14:hiddenFill xmlns:a14="http://schemas.microsoft.com/office/drawing/2010/main">
+                <a:solidFill>
+                  <a:schemeClr val="accent1"/>
+                </a:solidFill>
+              </a14:hiddenFill>
+            </a:ext>
+            <a:ext uri="{91240B29-F687-4F45-9708-019B960494DF}">
+              <a14:hiddenLine xmlns:a14="http://schemas.microsoft.com/office/drawing/2010/main" w="9525">
+                <a:solidFill>
+                  <a:schemeClr val="tx1"/>
+                </a:solidFill>
+                <a:miter lim="800000"/>
+                <a:headEnd/>
+                <a:tailEnd/>
+              </a14:hiddenLine>
+            </a:ext>
+          </a:extLst>
+        </p:spPr>
+      </p:pic>
+    </p:spTree>
+    <p:extLst>
+      <p:ext uri="{BB962C8B-B14F-4D97-AF65-F5344CB8AC3E}">
+        <p14:creationId xmlns:p14="http://schemas.microsoft.com/office/powerpoint/2010/main" val="3895593355"/>
+      </p:ext>
+    </p:extLst>
+  </p:cSld>
+  <p:clrMapOvr>
+    <a:masterClrMapping/>
+  </p:clrMapOvr>
+  <p:timing>
+    <p:tnLst>
+      <p:par>
+        <p:cTn id="1" dur="indefinite" restart="never" nodeType="tmRoot"/>
+      </p:par>
+    </p:tnLst>
+  </p:timing>
+</p:sld>
+</file>
+
+<file path=ppt/slides/slide37.xml><?xml version="1.0" encoding="utf-8"?>
 <p:sld xmlns:a="http://schemas.openxmlformats.org/drawingml/2006/main" xmlns:r="http://schemas.openxmlformats.org/officeDocument/2006/relationships" xmlns:p="http://schemas.openxmlformats.org/presentationml/2006/main">
   <p:cSld>
     <p:spTree>
@@ -24067,13 +24245,8 @@
           <a:p>
             <a:r>
               <a:rPr lang="en-US" sz="2400" dirty="0" smtClean="0"/>
-              <a:t>Python for predictive analytics</a:t>
-            </a:r>
-            <a:r>
-              <a:rPr lang="en-US" sz="2400" dirty="0" smtClean="0"/>
-              <a:t>.</a:t>
-            </a:r>
-            <a:endParaRPr lang="en-US" sz="2400" dirty="0" smtClean="0"/>
+              <a:t>Python for predictive analytics.</a:t>
+            </a:r>
           </a:p>
         </p:txBody>
       </p:sp>
@@ -24211,11 +24384,7 @@
             </a:r>
             <a:r>
               <a:rPr lang="en-US" sz="2400" dirty="0" smtClean="0"/>
-              <a:t>80</a:t>
-            </a:r>
-            <a:r>
-              <a:rPr lang="en-US" sz="2400" dirty="0" smtClean="0"/>
-              <a:t> </a:t>
+              <a:t>80 </a:t>
             </a:r>
             <a:r>
               <a:rPr lang="en-US" sz="2400" dirty="0"/>
@@ -25745,7 +25914,6 @@
               <a:rPr lang="en-US" sz="2250" dirty="0" smtClean="0"/>
               <a:t>	</a:t>
             </a:r>
-            <a:endParaRPr lang="en-US" sz="2250" dirty="0" smtClean="0"/>
           </a:p>
           <a:p>
             <a:pPr marL="742950" lvl="2" indent="-342900"/>

--- a/Presentation.pptx
+++ b/Presentation.pptx
@@ -6236,11 +6236,7 @@
           </a:p>
           <a:p>
             <a:r>
-              <a:rPr lang="en-US" sz="1400" dirty="0" err="1" smtClean="0">
-                <a:solidFill>
-                  <a:srgbClr val="00B050"/>
-                </a:solidFill>
-              </a:rPr>
+              <a:rPr lang="en-US" sz="1400" dirty="0" err="1"/>
               <a:t>OverallQual</a:t>
             </a:r>
             <a:r>
@@ -6324,11 +6320,7 @@
           </a:p>
           <a:p>
             <a:r>
-              <a:rPr lang="en-US" sz="1400" dirty="0" err="1" smtClean="0">
-                <a:solidFill>
-                  <a:srgbClr val="00B050"/>
-                </a:solidFill>
-              </a:rPr>
+              <a:rPr lang="en-US" sz="1400" dirty="0" err="1"/>
               <a:t>OverallCond</a:t>
             </a:r>
             <a:r>
@@ -7511,11 +7503,7 @@
           <a:lstStyle/>
           <a:p>
             <a:r>
-              <a:rPr lang="en-US" sz="1400" dirty="0" err="1" smtClean="0">
-                <a:solidFill>
-                  <a:srgbClr val="00B050"/>
-                </a:solidFill>
-              </a:rPr>
+              <a:rPr lang="en-US" sz="1400" dirty="0" err="1"/>
               <a:t>YearBuilt</a:t>
             </a:r>
             <a:r>
@@ -7525,11 +7513,7 @@
           </a:p>
           <a:p>
             <a:r>
-              <a:rPr lang="en-US" sz="1400" dirty="0" err="1" smtClean="0">
-                <a:solidFill>
-                  <a:srgbClr val="00B050"/>
-                </a:solidFill>
-              </a:rPr>
+              <a:rPr lang="en-US" sz="1400" dirty="0" err="1"/>
               <a:t>YearRemodAdd</a:t>
             </a:r>
             <a:r>
@@ -13877,11 +13861,7 @@
           </a:p>
           <a:p>
             <a:r>
-              <a:rPr lang="en-US" sz="1100" dirty="0" err="1" smtClean="0">
-                <a:solidFill>
-                  <a:srgbClr val="00B050"/>
-                </a:solidFill>
-              </a:rPr>
+              <a:rPr lang="en-US" sz="1100" dirty="0" err="1"/>
               <a:t>GrLivArea</a:t>
             </a:r>
             <a:r>
@@ -13911,11 +13891,7 @@
           </a:p>
           <a:p>
             <a:r>
-              <a:rPr lang="en-US" sz="1100" dirty="0" err="1" smtClean="0">
-                <a:solidFill>
-                  <a:srgbClr val="00B050"/>
-                </a:solidFill>
-              </a:rPr>
+              <a:rPr lang="en-US" sz="1100" dirty="0" err="1"/>
               <a:t>FullBath</a:t>
             </a:r>
             <a:r>
@@ -13935,11 +13911,7 @@
           </a:p>
           <a:p>
             <a:r>
-              <a:rPr lang="en-US" sz="1100" dirty="0" smtClean="0">
-                <a:solidFill>
-                  <a:srgbClr val="00B050"/>
-                </a:solidFill>
-              </a:rPr>
+              <a:rPr lang="en-US" sz="1100" dirty="0"/>
               <a:t>Bedroom</a:t>
             </a:r>
             <a:r>
@@ -13949,11 +13921,7 @@
           </a:p>
           <a:p>
             <a:r>
-              <a:rPr lang="en-US" sz="1100" dirty="0" smtClean="0">
-                <a:solidFill>
-                  <a:srgbClr val="00B050"/>
-                </a:solidFill>
-              </a:rPr>
+              <a:rPr lang="en-US" sz="1100" dirty="0"/>
               <a:t>Kitchen</a:t>
             </a:r>
             <a:r>
@@ -14018,11 +13986,7 @@
           </a:p>
           <a:p>
             <a:r>
-              <a:rPr lang="en-US" sz="1100" dirty="0" err="1">
-                <a:solidFill>
-                  <a:srgbClr val="00B050"/>
-                </a:solidFill>
-              </a:rPr>
+              <a:rPr lang="en-US" sz="1100" dirty="0" err="1"/>
               <a:t>TotRmsAbvGrd</a:t>
             </a:r>
             <a:r>
@@ -18898,13 +18862,38 @@
           <a:p>
             <a:r>
               <a:rPr lang="en-US" sz="2400" dirty="0" smtClean="0"/>
-              <a:t>Provide research tool to homebuyer for searching houses and predict the home prices .</a:t>
-            </a:r>
-          </a:p>
-          <a:p>
+              <a:t>Build a easy to use tool that homebuyers can use to search </a:t>
+            </a:r>
             <a:r>
               <a:rPr lang="en-US" sz="2400" dirty="0" smtClean="0"/>
-              <a:t>Homeowners can use this to get an estimate of price their house before putting it on sale. </a:t>
+              <a:t>houses and predict </a:t>
+            </a:r>
+            <a:r>
+              <a:rPr lang="en-US" sz="2400" dirty="0" smtClean="0"/>
+              <a:t>home prices.</a:t>
+            </a:r>
+            <a:endParaRPr lang="en-US" sz="2400" dirty="0" smtClean="0"/>
+          </a:p>
+          <a:p>
+            <a:r>
+              <a:rPr lang="en-US" sz="2400" dirty="0" smtClean="0"/>
+              <a:t>Homeowners can use this to get an estimate </a:t>
+            </a:r>
+            <a:r>
+              <a:rPr lang="en-US" sz="2400" dirty="0" smtClean="0"/>
+              <a:t>price for their </a:t>
+            </a:r>
+            <a:r>
+              <a:rPr lang="en-US" sz="2400" dirty="0" smtClean="0"/>
+              <a:t>house before putting </a:t>
+            </a:r>
+            <a:r>
+              <a:rPr lang="en-US" sz="2400" dirty="0" smtClean="0"/>
+              <a:t>the house </a:t>
+            </a:r>
+            <a:r>
+              <a:rPr lang="en-US" sz="2400" dirty="0" smtClean="0"/>
+              <a:t>on sale. </a:t>
             </a:r>
           </a:p>
         </p:txBody>
@@ -22806,7 +22795,15 @@
           <a:p>
             <a:r>
               <a:rPr lang="en-US" sz="2400" dirty="0" smtClean="0"/>
-              <a:t>Home buyers need a tool that can easily narrow down their search selection for the house based on their </a:t>
+              <a:t>Home buyers need a tool that can easily </a:t>
+            </a:r>
+            <a:r>
+              <a:rPr lang="en-US" sz="2400" dirty="0" smtClean="0"/>
+              <a:t>narrow </a:t>
+            </a:r>
+            <a:r>
+              <a:rPr lang="en-US" sz="2400" dirty="0" smtClean="0"/>
+              <a:t>down their search selection for the house based on their </a:t>
             </a:r>
             <a:r>
               <a:rPr lang="en-US" sz="2400" b="1" dirty="0" smtClean="0"/>
@@ -22814,15 +22811,11 @@
             </a:r>
             <a:r>
               <a:rPr lang="en-US" sz="2400" dirty="0" smtClean="0"/>
-              <a:t>, </a:t>
-            </a:r>
-            <a:r>
-              <a:rPr lang="en-US" sz="2400" b="1" dirty="0" smtClean="0"/>
-              <a:t>requirements</a:t>
+              <a:t>, requirements </a:t>
             </a:r>
             <a:r>
               <a:rPr lang="en-US" sz="2400" dirty="0" smtClean="0"/>
-              <a:t> like number of bedrooms etc. and </a:t>
+              <a:t>and </a:t>
             </a:r>
             <a:r>
               <a:rPr lang="en-US" sz="2400" b="1" dirty="0" smtClean="0"/>
@@ -24139,7 +24132,11 @@
           <a:p>
             <a:r>
               <a:rPr lang="en-US" sz="2400" dirty="0" smtClean="0"/>
-              <a:t>Website will be designed for easy to use and visual representation of data.</a:t>
+              <a:t>Web tool </a:t>
+            </a:r>
+            <a:r>
+              <a:rPr lang="en-US" sz="2400" dirty="0" smtClean="0"/>
+              <a:t>will be designed for easy to use and visual representation of data.</a:t>
             </a:r>
             <a:br>
               <a:rPr lang="en-US" sz="2400" dirty="0" smtClean="0"/>
@@ -24239,13 +24236,26 @@
           <a:p>
             <a:r>
               <a:rPr lang="en-US" sz="2400" dirty="0" smtClean="0"/>
-              <a:t>Tableau for website design</a:t>
-            </a:r>
-          </a:p>
-          <a:p>
+              <a:t>Tableau for </a:t>
+            </a:r>
             <a:r>
               <a:rPr lang="en-US" sz="2400" dirty="0" smtClean="0"/>
-              <a:t>Python for predictive analytics.</a:t>
+              <a:t>design the dashboard and hosting it for public use.</a:t>
+            </a:r>
+            <a:endParaRPr lang="en-US" sz="2400" dirty="0" smtClean="0"/>
+          </a:p>
+          <a:p>
+            <a:r>
+              <a:rPr lang="en-US" sz="2400" dirty="0" smtClean="0"/>
+              <a:t>Python for </a:t>
+            </a:r>
+            <a:r>
+              <a:rPr lang="en-US" sz="2400" dirty="0" smtClean="0"/>
+              <a:t>data analysis and predictive </a:t>
+            </a:r>
+            <a:r>
+              <a:rPr lang="en-US" sz="2400" dirty="0" smtClean="0"/>
+              <a:t>analytics.</a:t>
             </a:r>
           </a:p>
         </p:txBody>
